--- a/BE-[Songs Apps]-[Mohammad Rizki Yanuarianto].pptx
+++ b/BE-[Songs Apps]-[Mohammad Rizki Yanuarianto].pptx
@@ -5,27 +5,18 @@
     <p:sldMasterId id="2147483650" r:id="rId4"/>
   </p:sldMasterIdLst>
   <p:notesMasterIdLst>
-    <p:notesMasterId r:id="rId20"/>
+    <p:notesMasterId r:id="rId11"/>
   </p:notesMasterIdLst>
   <p:handoutMasterIdLst>
-    <p:handoutMasterId r:id="rId21"/>
+    <p:handoutMasterId r:id="rId12"/>
   </p:handoutMasterIdLst>
   <p:sldIdLst>
     <p:sldId id="278" r:id="rId5"/>
     <p:sldId id="280" r:id="rId6"/>
     <p:sldId id="303" r:id="rId7"/>
     <p:sldId id="290" r:id="rId8"/>
-    <p:sldId id="291" r:id="rId9"/>
-    <p:sldId id="294" r:id="rId10"/>
-    <p:sldId id="295" r:id="rId11"/>
-    <p:sldId id="296" r:id="rId12"/>
-    <p:sldId id="297" r:id="rId13"/>
-    <p:sldId id="298" r:id="rId14"/>
-    <p:sldId id="299" r:id="rId15"/>
-    <p:sldId id="300" r:id="rId16"/>
-    <p:sldId id="301" r:id="rId17"/>
-    <p:sldId id="302" r:id="rId18"/>
-    <p:sldId id="293" r:id="rId19"/>
+    <p:sldId id="302" r:id="rId9"/>
+    <p:sldId id="293" r:id="rId10"/>
   </p:sldIdLst>
   <p:sldSz cx="12192000" cy="6858000"/>
   <p:notesSz cx="13716000" cy="24384000"/>
@@ -26517,770 +26508,6 @@
 </p:sld>
 </file>
 
-<file path=ppt/slides/slide10.xml><?xml version="1.0" encoding="utf-8"?>
-<p:sld xmlns:a="http://schemas.openxmlformats.org/drawingml/2006/main" xmlns:r="http://schemas.openxmlformats.org/officeDocument/2006/relationships" xmlns:p="http://schemas.openxmlformats.org/presentationml/2006/main">
-  <p:cSld>
-    <p:spTree>
-      <p:nvGrpSpPr>
-        <p:cNvPr id="1" name=""/>
-        <p:cNvGrpSpPr/>
-        <p:nvPr/>
-      </p:nvGrpSpPr>
-      <p:grpSpPr>
-        <a:xfrm>
-          <a:off x="0" y="0"/>
-          <a:ext cx="0" cy="0"/>
-          <a:chOff x="0" y="0"/>
-          <a:chExt cx="0" cy="0"/>
-        </a:xfrm>
-      </p:grpSpPr>
-      <p:sp>
-        <p:nvSpPr>
-          <p:cNvPr id="5" name="Title 4">
-            <a:extLst>
-              <a:ext uri="{FF2B5EF4-FFF2-40B4-BE49-F238E27FC236}">
-                <a16:creationId xmlns:a16="http://schemas.microsoft.com/office/drawing/2014/main" id="{C371CEB5-0F43-BA22-C4E7-3A84E631DA11}"/>
-              </a:ext>
-            </a:extLst>
-          </p:cNvPr>
-          <p:cNvSpPr>
-            <a:spLocks noGrp="1"/>
-          </p:cNvSpPr>
-          <p:nvPr>
-            <p:ph type="title"/>
-          </p:nvPr>
-        </p:nvSpPr>
-        <p:spPr>
-          <a:xfrm>
-            <a:off x="713232" y="52232"/>
-            <a:ext cx="10671048" cy="816607"/>
-          </a:xfrm>
-        </p:spPr>
-        <p:txBody>
-          <a:bodyPr/>
-          <a:lstStyle/>
-          <a:p>
-            <a:r>
-              <a:rPr lang="en-US" sz="3600" dirty="0"/>
-              <a:t>TAMPILAN APLIKASI</a:t>
-            </a:r>
-          </a:p>
-        </p:txBody>
-      </p:sp>
-      <p:sp>
-        <p:nvSpPr>
-          <p:cNvPr id="73" name="Title 1">
-            <a:extLst>
-              <a:ext uri="{FF2B5EF4-FFF2-40B4-BE49-F238E27FC236}">
-                <a16:creationId xmlns:a16="http://schemas.microsoft.com/office/drawing/2014/main" id="{6F9C2F2A-98EA-A1ED-9812-A75413542F48}"/>
-              </a:ext>
-            </a:extLst>
-          </p:cNvPr>
-          <p:cNvSpPr txBox="1">
-            <a:spLocks/>
-          </p:cNvSpPr>
-          <p:nvPr/>
-        </p:nvSpPr>
-        <p:spPr>
-          <a:xfrm>
-            <a:off x="2329134" y="1008076"/>
-            <a:ext cx="7439243" cy="367680"/>
-          </a:xfrm>
-          <a:prstGeom prst="rect">
-            <a:avLst/>
-          </a:prstGeom>
-        </p:spPr>
-        <p:txBody>
-          <a:bodyPr vert="horz" lIns="91440" tIns="45720" rIns="91440" bIns="45720" rtlCol="0" anchor="b" anchorCtr="0">
-            <a:noAutofit/>
-          </a:bodyPr>
-          <a:lstStyle>
-            <a:lvl1pPr algn="ctr" defTabSz="914400" rtl="0" eaLnBrk="1" latinLnBrk="0" hangingPunct="1">
-              <a:lnSpc>
-                <a:spcPct val="100000"/>
-              </a:lnSpc>
-              <a:spcBef>
-                <a:spcPct val="0"/>
-              </a:spcBef>
-              <a:buNone/>
-              <a:defRPr sz="4400" b="1" kern="1200" cap="all" baseline="0">
-                <a:solidFill>
-                  <a:schemeClr val="accent6"/>
-                </a:solidFill>
-                <a:latin typeface="+mj-lt"/>
-                <a:ea typeface="+mj-ea"/>
-                <a:cs typeface="+mj-cs"/>
-              </a:defRPr>
-            </a:lvl1pPr>
-          </a:lstStyle>
-          <a:p>
-            <a:r>
-              <a:rPr lang="en-US" sz="1800" b="0" dirty="0">
-                <a:latin typeface="Arial Black" panose="020B0A04020102020204" pitchFamily="34" charset="0"/>
-              </a:rPr>
-              <a:t>Halaman update artist</a:t>
-            </a:r>
-          </a:p>
-        </p:txBody>
-      </p:sp>
-      <p:pic>
-        <p:nvPicPr>
-          <p:cNvPr id="4" name="Picture 3">
-            <a:extLst>
-              <a:ext uri="{FF2B5EF4-FFF2-40B4-BE49-F238E27FC236}">
-                <a16:creationId xmlns:a16="http://schemas.microsoft.com/office/drawing/2014/main" id="{9D1A3796-2FB9-02C6-9704-B9F8FFCD88BD}"/>
-              </a:ext>
-            </a:extLst>
-          </p:cNvPr>
-          <p:cNvPicPr>
-            <a:picLocks noChangeAspect="1"/>
-          </p:cNvPicPr>
-          <p:nvPr/>
-        </p:nvPicPr>
-        <p:blipFill>
-          <a:blip r:embed="rId2"/>
-          <a:stretch>
-            <a:fillRect/>
-          </a:stretch>
-        </p:blipFill>
-        <p:spPr>
-          <a:xfrm>
-            <a:off x="1138686" y="1375756"/>
-            <a:ext cx="10161917" cy="5285836"/>
-          </a:xfrm>
-          <a:prstGeom prst="rect">
-            <a:avLst/>
-          </a:prstGeom>
-        </p:spPr>
-      </p:pic>
-    </p:spTree>
-    <p:extLst>
-      <p:ext uri="{BB962C8B-B14F-4D97-AF65-F5344CB8AC3E}">
-        <p14:creationId xmlns:p14="http://schemas.microsoft.com/office/powerpoint/2010/main" val="626220107"/>
-      </p:ext>
-    </p:extLst>
-  </p:cSld>
-  <p:clrMapOvr>
-    <a:masterClrMapping/>
-  </p:clrMapOvr>
-</p:sld>
-</file>
-
-<file path=ppt/slides/slide11.xml><?xml version="1.0" encoding="utf-8"?>
-<p:sld xmlns:a="http://schemas.openxmlformats.org/drawingml/2006/main" xmlns:r="http://schemas.openxmlformats.org/officeDocument/2006/relationships" xmlns:p="http://schemas.openxmlformats.org/presentationml/2006/main">
-  <p:cSld>
-    <p:spTree>
-      <p:nvGrpSpPr>
-        <p:cNvPr id="1" name=""/>
-        <p:cNvGrpSpPr/>
-        <p:nvPr/>
-      </p:nvGrpSpPr>
-      <p:grpSpPr>
-        <a:xfrm>
-          <a:off x="0" y="0"/>
-          <a:ext cx="0" cy="0"/>
-          <a:chOff x="0" y="0"/>
-          <a:chExt cx="0" cy="0"/>
-        </a:xfrm>
-      </p:grpSpPr>
-      <p:sp>
-        <p:nvSpPr>
-          <p:cNvPr id="5" name="Title 4">
-            <a:extLst>
-              <a:ext uri="{FF2B5EF4-FFF2-40B4-BE49-F238E27FC236}">
-                <a16:creationId xmlns:a16="http://schemas.microsoft.com/office/drawing/2014/main" id="{C371CEB5-0F43-BA22-C4E7-3A84E631DA11}"/>
-              </a:ext>
-            </a:extLst>
-          </p:cNvPr>
-          <p:cNvSpPr>
-            <a:spLocks noGrp="1"/>
-          </p:cNvSpPr>
-          <p:nvPr>
-            <p:ph type="title"/>
-          </p:nvPr>
-        </p:nvSpPr>
-        <p:spPr>
-          <a:xfrm>
-            <a:off x="713232" y="52232"/>
-            <a:ext cx="10671048" cy="816607"/>
-          </a:xfrm>
-        </p:spPr>
-        <p:txBody>
-          <a:bodyPr/>
-          <a:lstStyle/>
-          <a:p>
-            <a:r>
-              <a:rPr lang="en-US" sz="3600" dirty="0"/>
-              <a:t>TAMPILAN APLIKASI</a:t>
-            </a:r>
-          </a:p>
-        </p:txBody>
-      </p:sp>
-      <p:sp>
-        <p:nvSpPr>
-          <p:cNvPr id="73" name="Title 1">
-            <a:extLst>
-              <a:ext uri="{FF2B5EF4-FFF2-40B4-BE49-F238E27FC236}">
-                <a16:creationId xmlns:a16="http://schemas.microsoft.com/office/drawing/2014/main" id="{6F9C2F2A-98EA-A1ED-9812-A75413542F48}"/>
-              </a:ext>
-            </a:extLst>
-          </p:cNvPr>
-          <p:cNvSpPr txBox="1">
-            <a:spLocks/>
-          </p:cNvSpPr>
-          <p:nvPr/>
-        </p:nvSpPr>
-        <p:spPr>
-          <a:xfrm>
-            <a:off x="2329134" y="1008076"/>
-            <a:ext cx="7439243" cy="367680"/>
-          </a:xfrm>
-          <a:prstGeom prst="rect">
-            <a:avLst/>
-          </a:prstGeom>
-        </p:spPr>
-        <p:txBody>
-          <a:bodyPr vert="horz" lIns="91440" tIns="45720" rIns="91440" bIns="45720" rtlCol="0" anchor="b" anchorCtr="0">
-            <a:noAutofit/>
-          </a:bodyPr>
-          <a:lstStyle>
-            <a:lvl1pPr algn="ctr" defTabSz="914400" rtl="0" eaLnBrk="1" latinLnBrk="0" hangingPunct="1">
-              <a:lnSpc>
-                <a:spcPct val="100000"/>
-              </a:lnSpc>
-              <a:spcBef>
-                <a:spcPct val="0"/>
-              </a:spcBef>
-              <a:buNone/>
-              <a:defRPr sz="4400" b="1" kern="1200" cap="all" baseline="0">
-                <a:solidFill>
-                  <a:schemeClr val="accent6"/>
-                </a:solidFill>
-                <a:latin typeface="+mj-lt"/>
-                <a:ea typeface="+mj-ea"/>
-                <a:cs typeface="+mj-cs"/>
-              </a:defRPr>
-            </a:lvl1pPr>
-          </a:lstStyle>
-          <a:p>
-            <a:r>
-              <a:rPr lang="en-US" sz="1800" b="0" dirty="0">
-                <a:latin typeface="Arial Black" panose="020B0A04020102020204" pitchFamily="34" charset="0"/>
-              </a:rPr>
-              <a:t>Halaman songs</a:t>
-            </a:r>
-          </a:p>
-        </p:txBody>
-      </p:sp>
-      <p:pic>
-        <p:nvPicPr>
-          <p:cNvPr id="4" name="Picture 3">
-            <a:extLst>
-              <a:ext uri="{FF2B5EF4-FFF2-40B4-BE49-F238E27FC236}">
-                <a16:creationId xmlns:a16="http://schemas.microsoft.com/office/drawing/2014/main" id="{1EA19558-1E37-B5E5-C5D8-F4ACBCB09694}"/>
-              </a:ext>
-            </a:extLst>
-          </p:cNvPr>
-          <p:cNvPicPr>
-            <a:picLocks noChangeAspect="1"/>
-          </p:cNvPicPr>
-          <p:nvPr/>
-        </p:nvPicPr>
-        <p:blipFill>
-          <a:blip r:embed="rId2"/>
-          <a:stretch>
-            <a:fillRect/>
-          </a:stretch>
-        </p:blipFill>
-        <p:spPr>
-          <a:xfrm>
-            <a:off x="1594929" y="1468958"/>
-            <a:ext cx="9354868" cy="5262113"/>
-          </a:xfrm>
-          <a:prstGeom prst="rect">
-            <a:avLst/>
-          </a:prstGeom>
-        </p:spPr>
-      </p:pic>
-    </p:spTree>
-    <p:extLst>
-      <p:ext uri="{BB962C8B-B14F-4D97-AF65-F5344CB8AC3E}">
-        <p14:creationId xmlns:p14="http://schemas.microsoft.com/office/powerpoint/2010/main" val="3904699102"/>
-      </p:ext>
-    </p:extLst>
-  </p:cSld>
-  <p:clrMapOvr>
-    <a:masterClrMapping/>
-  </p:clrMapOvr>
-</p:sld>
-</file>
-
-<file path=ppt/slides/slide12.xml><?xml version="1.0" encoding="utf-8"?>
-<p:sld xmlns:a="http://schemas.openxmlformats.org/drawingml/2006/main" xmlns:r="http://schemas.openxmlformats.org/officeDocument/2006/relationships" xmlns:p="http://schemas.openxmlformats.org/presentationml/2006/main">
-  <p:cSld>
-    <p:spTree>
-      <p:nvGrpSpPr>
-        <p:cNvPr id="1" name=""/>
-        <p:cNvGrpSpPr/>
-        <p:nvPr/>
-      </p:nvGrpSpPr>
-      <p:grpSpPr>
-        <a:xfrm>
-          <a:off x="0" y="0"/>
-          <a:ext cx="0" cy="0"/>
-          <a:chOff x="0" y="0"/>
-          <a:chExt cx="0" cy="0"/>
-        </a:xfrm>
-      </p:grpSpPr>
-      <p:sp>
-        <p:nvSpPr>
-          <p:cNvPr id="5" name="Title 4">
-            <a:extLst>
-              <a:ext uri="{FF2B5EF4-FFF2-40B4-BE49-F238E27FC236}">
-                <a16:creationId xmlns:a16="http://schemas.microsoft.com/office/drawing/2014/main" id="{C371CEB5-0F43-BA22-C4E7-3A84E631DA11}"/>
-              </a:ext>
-            </a:extLst>
-          </p:cNvPr>
-          <p:cNvSpPr>
-            <a:spLocks noGrp="1"/>
-          </p:cNvSpPr>
-          <p:nvPr>
-            <p:ph type="title"/>
-          </p:nvPr>
-        </p:nvSpPr>
-        <p:spPr>
-          <a:xfrm>
-            <a:off x="713232" y="52232"/>
-            <a:ext cx="10671048" cy="816607"/>
-          </a:xfrm>
-        </p:spPr>
-        <p:txBody>
-          <a:bodyPr/>
-          <a:lstStyle/>
-          <a:p>
-            <a:r>
-              <a:rPr lang="en-US" sz="3600" dirty="0"/>
-              <a:t>TAMPILAN APLIKASI</a:t>
-            </a:r>
-          </a:p>
-        </p:txBody>
-      </p:sp>
-      <p:sp>
-        <p:nvSpPr>
-          <p:cNvPr id="73" name="Title 1">
-            <a:extLst>
-              <a:ext uri="{FF2B5EF4-FFF2-40B4-BE49-F238E27FC236}">
-                <a16:creationId xmlns:a16="http://schemas.microsoft.com/office/drawing/2014/main" id="{6F9C2F2A-98EA-A1ED-9812-A75413542F48}"/>
-              </a:ext>
-            </a:extLst>
-          </p:cNvPr>
-          <p:cNvSpPr txBox="1">
-            <a:spLocks/>
-          </p:cNvSpPr>
-          <p:nvPr/>
-        </p:nvSpPr>
-        <p:spPr>
-          <a:xfrm>
-            <a:off x="2329134" y="1008076"/>
-            <a:ext cx="7439243" cy="367680"/>
-          </a:xfrm>
-          <a:prstGeom prst="rect">
-            <a:avLst/>
-          </a:prstGeom>
-        </p:spPr>
-        <p:txBody>
-          <a:bodyPr vert="horz" lIns="91440" tIns="45720" rIns="91440" bIns="45720" rtlCol="0" anchor="b" anchorCtr="0">
-            <a:noAutofit/>
-          </a:bodyPr>
-          <a:lstStyle>
-            <a:lvl1pPr algn="ctr" defTabSz="914400" rtl="0" eaLnBrk="1" latinLnBrk="0" hangingPunct="1">
-              <a:lnSpc>
-                <a:spcPct val="100000"/>
-              </a:lnSpc>
-              <a:spcBef>
-                <a:spcPct val="0"/>
-              </a:spcBef>
-              <a:buNone/>
-              <a:defRPr sz="4400" b="1" kern="1200" cap="all" baseline="0">
-                <a:solidFill>
-                  <a:schemeClr val="accent6"/>
-                </a:solidFill>
-                <a:latin typeface="+mj-lt"/>
-                <a:ea typeface="+mj-ea"/>
-                <a:cs typeface="+mj-cs"/>
-              </a:defRPr>
-            </a:lvl1pPr>
-          </a:lstStyle>
-          <a:p>
-            <a:r>
-              <a:rPr lang="en-US" sz="1800" b="0" dirty="0">
-                <a:latin typeface="Arial Black" panose="020B0A04020102020204" pitchFamily="34" charset="0"/>
-              </a:rPr>
-              <a:t>Halaman insert songs</a:t>
-            </a:r>
-          </a:p>
-        </p:txBody>
-      </p:sp>
-      <p:pic>
-        <p:nvPicPr>
-          <p:cNvPr id="4" name="Picture 3">
-            <a:extLst>
-              <a:ext uri="{FF2B5EF4-FFF2-40B4-BE49-F238E27FC236}">
-                <a16:creationId xmlns:a16="http://schemas.microsoft.com/office/drawing/2014/main" id="{DD591274-58EE-1A4B-CD49-F5FEC85F54BB}"/>
-              </a:ext>
-            </a:extLst>
-          </p:cNvPr>
-          <p:cNvPicPr>
-            <a:picLocks noChangeAspect="1"/>
-          </p:cNvPicPr>
-          <p:nvPr/>
-        </p:nvPicPr>
-        <p:blipFill>
-          <a:blip r:embed="rId2"/>
-          <a:stretch>
-            <a:fillRect/>
-          </a:stretch>
-        </p:blipFill>
-        <p:spPr>
-          <a:xfrm>
-            <a:off x="1015329" y="1765718"/>
-            <a:ext cx="10291313" cy="4712720"/>
-          </a:xfrm>
-          <a:prstGeom prst="rect">
-            <a:avLst/>
-          </a:prstGeom>
-        </p:spPr>
-      </p:pic>
-    </p:spTree>
-    <p:extLst>
-      <p:ext uri="{BB962C8B-B14F-4D97-AF65-F5344CB8AC3E}">
-        <p14:creationId xmlns:p14="http://schemas.microsoft.com/office/powerpoint/2010/main" val="842324891"/>
-      </p:ext>
-    </p:extLst>
-  </p:cSld>
-  <p:clrMapOvr>
-    <a:masterClrMapping/>
-  </p:clrMapOvr>
-</p:sld>
-</file>
-
-<file path=ppt/slides/slide13.xml><?xml version="1.0" encoding="utf-8"?>
-<p:sld xmlns:a="http://schemas.openxmlformats.org/drawingml/2006/main" xmlns:r="http://schemas.openxmlformats.org/officeDocument/2006/relationships" xmlns:p="http://schemas.openxmlformats.org/presentationml/2006/main">
-  <p:cSld>
-    <p:spTree>
-      <p:nvGrpSpPr>
-        <p:cNvPr id="1" name=""/>
-        <p:cNvGrpSpPr/>
-        <p:nvPr/>
-      </p:nvGrpSpPr>
-      <p:grpSpPr>
-        <a:xfrm>
-          <a:off x="0" y="0"/>
-          <a:ext cx="0" cy="0"/>
-          <a:chOff x="0" y="0"/>
-          <a:chExt cx="0" cy="0"/>
-        </a:xfrm>
-      </p:grpSpPr>
-      <p:sp>
-        <p:nvSpPr>
-          <p:cNvPr id="5" name="Title 4">
-            <a:extLst>
-              <a:ext uri="{FF2B5EF4-FFF2-40B4-BE49-F238E27FC236}">
-                <a16:creationId xmlns:a16="http://schemas.microsoft.com/office/drawing/2014/main" id="{C371CEB5-0F43-BA22-C4E7-3A84E631DA11}"/>
-              </a:ext>
-            </a:extLst>
-          </p:cNvPr>
-          <p:cNvSpPr>
-            <a:spLocks noGrp="1"/>
-          </p:cNvSpPr>
-          <p:nvPr>
-            <p:ph type="title"/>
-          </p:nvPr>
-        </p:nvSpPr>
-        <p:spPr>
-          <a:xfrm>
-            <a:off x="713232" y="52232"/>
-            <a:ext cx="10671048" cy="816607"/>
-          </a:xfrm>
-        </p:spPr>
-        <p:txBody>
-          <a:bodyPr/>
-          <a:lstStyle/>
-          <a:p>
-            <a:r>
-              <a:rPr lang="en-US" sz="3600" dirty="0"/>
-              <a:t>TAMPILAN APLIKASI</a:t>
-            </a:r>
-          </a:p>
-        </p:txBody>
-      </p:sp>
-      <p:sp>
-        <p:nvSpPr>
-          <p:cNvPr id="73" name="Title 1">
-            <a:extLst>
-              <a:ext uri="{FF2B5EF4-FFF2-40B4-BE49-F238E27FC236}">
-                <a16:creationId xmlns:a16="http://schemas.microsoft.com/office/drawing/2014/main" id="{6F9C2F2A-98EA-A1ED-9812-A75413542F48}"/>
-              </a:ext>
-            </a:extLst>
-          </p:cNvPr>
-          <p:cNvSpPr txBox="1">
-            <a:spLocks/>
-          </p:cNvSpPr>
-          <p:nvPr/>
-        </p:nvSpPr>
-        <p:spPr>
-          <a:xfrm>
-            <a:off x="2329134" y="1008076"/>
-            <a:ext cx="7439243" cy="367680"/>
-          </a:xfrm>
-          <a:prstGeom prst="rect">
-            <a:avLst/>
-          </a:prstGeom>
-        </p:spPr>
-        <p:txBody>
-          <a:bodyPr vert="horz" lIns="91440" tIns="45720" rIns="91440" bIns="45720" rtlCol="0" anchor="b" anchorCtr="0">
-            <a:noAutofit/>
-          </a:bodyPr>
-          <a:lstStyle>
-            <a:lvl1pPr algn="ctr" defTabSz="914400" rtl="0" eaLnBrk="1" latinLnBrk="0" hangingPunct="1">
-              <a:lnSpc>
-                <a:spcPct val="100000"/>
-              </a:lnSpc>
-              <a:spcBef>
-                <a:spcPct val="0"/>
-              </a:spcBef>
-              <a:buNone/>
-              <a:defRPr sz="4400" b="1" kern="1200" cap="all" baseline="0">
-                <a:solidFill>
-                  <a:schemeClr val="accent6"/>
-                </a:solidFill>
-                <a:latin typeface="+mj-lt"/>
-                <a:ea typeface="+mj-ea"/>
-                <a:cs typeface="+mj-cs"/>
-              </a:defRPr>
-            </a:lvl1pPr>
-          </a:lstStyle>
-          <a:p>
-            <a:r>
-              <a:rPr lang="en-US" sz="1800" b="0" dirty="0">
-                <a:latin typeface="Arial Black" panose="020B0A04020102020204" pitchFamily="34" charset="0"/>
-              </a:rPr>
-              <a:t>Halaman Delete songs</a:t>
-            </a:r>
-          </a:p>
-        </p:txBody>
-      </p:sp>
-      <p:pic>
-        <p:nvPicPr>
-          <p:cNvPr id="7" name="Picture 6">
-            <a:extLst>
-              <a:ext uri="{FF2B5EF4-FFF2-40B4-BE49-F238E27FC236}">
-                <a16:creationId xmlns:a16="http://schemas.microsoft.com/office/drawing/2014/main" id="{3835B0C8-705C-370E-73FD-8E2FF92F8DDC}"/>
-              </a:ext>
-            </a:extLst>
-          </p:cNvPr>
-          <p:cNvPicPr>
-            <a:picLocks noChangeAspect="1"/>
-          </p:cNvPicPr>
-          <p:nvPr/>
-        </p:nvPicPr>
-        <p:blipFill>
-          <a:blip r:embed="rId2"/>
-          <a:stretch>
-            <a:fillRect/>
-          </a:stretch>
-        </p:blipFill>
-        <p:spPr>
-          <a:xfrm>
-            <a:off x="928778" y="1582790"/>
-            <a:ext cx="10334444" cy="4989842"/>
-          </a:xfrm>
-          <a:prstGeom prst="rect">
-            <a:avLst/>
-          </a:prstGeom>
-        </p:spPr>
-      </p:pic>
-    </p:spTree>
-    <p:extLst>
-      <p:ext uri="{BB962C8B-B14F-4D97-AF65-F5344CB8AC3E}">
-        <p14:creationId xmlns:p14="http://schemas.microsoft.com/office/powerpoint/2010/main" val="3301697408"/>
-      </p:ext>
-    </p:extLst>
-  </p:cSld>
-  <p:clrMapOvr>
-    <a:masterClrMapping/>
-  </p:clrMapOvr>
-</p:sld>
-</file>
-
-<file path=ppt/slides/slide14.xml><?xml version="1.0" encoding="utf-8"?>
-<p:sld xmlns:a="http://schemas.openxmlformats.org/drawingml/2006/main" xmlns:r="http://schemas.openxmlformats.org/officeDocument/2006/relationships" xmlns:p="http://schemas.openxmlformats.org/presentationml/2006/main">
-  <p:cSld>
-    <p:spTree>
-      <p:nvGrpSpPr>
-        <p:cNvPr id="1" name=""/>
-        <p:cNvGrpSpPr/>
-        <p:nvPr/>
-      </p:nvGrpSpPr>
-      <p:grpSpPr>
-        <a:xfrm>
-          <a:off x="0" y="0"/>
-          <a:ext cx="0" cy="0"/>
-          <a:chOff x="0" y="0"/>
-          <a:chExt cx="0" cy="0"/>
-        </a:xfrm>
-      </p:grpSpPr>
-      <p:sp>
-        <p:nvSpPr>
-          <p:cNvPr id="5" name="Title 4">
-            <a:extLst>
-              <a:ext uri="{FF2B5EF4-FFF2-40B4-BE49-F238E27FC236}">
-                <a16:creationId xmlns:a16="http://schemas.microsoft.com/office/drawing/2014/main" id="{C371CEB5-0F43-BA22-C4E7-3A84E631DA11}"/>
-              </a:ext>
-            </a:extLst>
-          </p:cNvPr>
-          <p:cNvSpPr>
-            <a:spLocks noGrp="1"/>
-          </p:cNvSpPr>
-          <p:nvPr>
-            <p:ph type="title"/>
-          </p:nvPr>
-        </p:nvSpPr>
-        <p:spPr>
-          <a:xfrm>
-            <a:off x="713232" y="52232"/>
-            <a:ext cx="10671048" cy="816607"/>
-          </a:xfrm>
-        </p:spPr>
-        <p:txBody>
-          <a:bodyPr/>
-          <a:lstStyle/>
-          <a:p>
-            <a:r>
-              <a:rPr lang="en-US" sz="2800" dirty="0" err="1"/>
-              <a:t>Dokumentasi</a:t>
-            </a:r>
-            <a:r>
-              <a:rPr lang="en-US" sz="2800" dirty="0"/>
-              <a:t> </a:t>
-            </a:r>
-            <a:r>
-              <a:rPr lang="en-US" sz="2800" dirty="0" err="1"/>
-              <a:t>api</a:t>
-            </a:r>
-            <a:r>
-              <a:rPr lang="en-US" sz="2800" dirty="0"/>
-              <a:t> (swagger)</a:t>
-            </a:r>
-          </a:p>
-        </p:txBody>
-      </p:sp>
-      <p:pic>
-        <p:nvPicPr>
-          <p:cNvPr id="4" name="Picture 3">
-            <a:extLst>
-              <a:ext uri="{FF2B5EF4-FFF2-40B4-BE49-F238E27FC236}">
-                <a16:creationId xmlns:a16="http://schemas.microsoft.com/office/drawing/2014/main" id="{9E7DF1FD-E5EE-4429-DBBD-AFC9505C7450}"/>
-              </a:ext>
-            </a:extLst>
-          </p:cNvPr>
-          <p:cNvPicPr>
-            <a:picLocks noChangeAspect="1"/>
-          </p:cNvPicPr>
-          <p:nvPr/>
-        </p:nvPicPr>
-        <p:blipFill>
-          <a:blip r:embed="rId2"/>
-          <a:stretch>
-            <a:fillRect/>
-          </a:stretch>
-        </p:blipFill>
-        <p:spPr>
-          <a:xfrm>
-            <a:off x="959921" y="868839"/>
-            <a:ext cx="10177670" cy="5724939"/>
-          </a:xfrm>
-          <a:prstGeom prst="rect">
-            <a:avLst/>
-          </a:prstGeom>
-        </p:spPr>
-      </p:pic>
-    </p:spTree>
-    <p:extLst>
-      <p:ext uri="{BB962C8B-B14F-4D97-AF65-F5344CB8AC3E}">
-        <p14:creationId xmlns:p14="http://schemas.microsoft.com/office/powerpoint/2010/main" val="1304642090"/>
-      </p:ext>
-    </p:extLst>
-  </p:cSld>
-  <p:clrMapOvr>
-    <a:masterClrMapping/>
-  </p:clrMapOvr>
-</p:sld>
-</file>
-
-<file path=ppt/slides/slide15.xml><?xml version="1.0" encoding="utf-8"?>
-<p:sld xmlns:a="http://schemas.openxmlformats.org/drawingml/2006/main" xmlns:r="http://schemas.openxmlformats.org/officeDocument/2006/relationships" xmlns:p="http://schemas.openxmlformats.org/presentationml/2006/main">
-  <p:cSld>
-    <p:spTree>
-      <p:nvGrpSpPr>
-        <p:cNvPr id="1" name=""/>
-        <p:cNvGrpSpPr/>
-        <p:nvPr/>
-      </p:nvGrpSpPr>
-      <p:grpSpPr>
-        <a:xfrm>
-          <a:off x="0" y="0"/>
-          <a:ext cx="0" cy="0"/>
-          <a:chOff x="0" y="0"/>
-          <a:chExt cx="0" cy="0"/>
-        </a:xfrm>
-      </p:grpSpPr>
-      <p:sp>
-        <p:nvSpPr>
-          <p:cNvPr id="2" name="Title 1">
-            <a:extLst>
-              <a:ext uri="{FF2B5EF4-FFF2-40B4-BE49-F238E27FC236}">
-                <a16:creationId xmlns:a16="http://schemas.microsoft.com/office/drawing/2014/main" id="{800AB426-5B7C-607E-D413-5D2C9495CC0A}"/>
-              </a:ext>
-            </a:extLst>
-          </p:cNvPr>
-          <p:cNvSpPr>
-            <a:spLocks noGrp="1"/>
-          </p:cNvSpPr>
-          <p:nvPr>
-            <p:ph type="ctrTitle"/>
-          </p:nvPr>
-        </p:nvSpPr>
-        <p:spPr>
-          <a:xfrm>
-            <a:off x="1527048" y="1199257"/>
-            <a:ext cx="4550664" cy="2453773"/>
-          </a:xfrm>
-        </p:spPr>
-        <p:txBody>
-          <a:bodyPr/>
-          <a:lstStyle/>
-          <a:p>
-            <a:r>
-              <a:rPr lang="en-US" dirty="0"/>
-              <a:t>THANK YOU </a:t>
-            </a:r>
-          </a:p>
-        </p:txBody>
-      </p:sp>
-    </p:spTree>
-    <p:extLst>
-      <p:ext uri="{BB962C8B-B14F-4D97-AF65-F5344CB8AC3E}">
-        <p14:creationId xmlns:p14="http://schemas.microsoft.com/office/powerpoint/2010/main" val="1003962426"/>
-      </p:ext>
-    </p:extLst>
-  </p:cSld>
-  <p:clrMapOvr>
-    <a:masterClrMapping/>
-  </p:clrMapOvr>
-</p:sld>
-</file>
-
 <file path=ppt/slides/slide2.xml><?xml version="1.0" encoding="utf-8"?>
 <p:sld xmlns:a="http://schemas.openxmlformats.org/drawingml/2006/main" xmlns:r="http://schemas.openxmlformats.org/officeDocument/2006/relationships" xmlns:p="http://schemas.openxmlformats.org/presentationml/2006/main">
   <p:cSld>
@@ -28417,342 +27644,30 @@
           <a:lstStyle/>
           <a:p>
             <a:r>
-              <a:rPr lang="en-US" sz="3600" dirty="0"/>
-              <a:t>TAMPILAN DATABASE DI DBEAVER</a:t>
+              <a:rPr lang="en-US" sz="2800" dirty="0" err="1"/>
+              <a:t>Dokumentasi</a:t>
+            </a:r>
+            <a:r>
+              <a:rPr lang="en-US" sz="2800" dirty="0"/>
+              <a:t> </a:t>
+            </a:r>
+            <a:r>
+              <a:rPr lang="en-US" sz="2800" dirty="0" err="1"/>
+              <a:t>api</a:t>
+            </a:r>
+            <a:r>
+              <a:rPr lang="en-US" sz="2800" dirty="0"/>
+              <a:t> (swagger)</a:t>
             </a:r>
           </a:p>
         </p:txBody>
       </p:sp>
       <p:pic>
         <p:nvPicPr>
-          <p:cNvPr id="72" name="Picture Placeholder 71" descr="abacus icon">
+          <p:cNvPr id="4" name="Picture 3">
             <a:extLst>
               <a:ext uri="{FF2B5EF4-FFF2-40B4-BE49-F238E27FC236}">
-                <a16:creationId xmlns:a16="http://schemas.microsoft.com/office/drawing/2014/main" id="{FD5AE93E-9743-FD3B-C935-638BF9D159CC}"/>
-              </a:ext>
-            </a:extLst>
-          </p:cNvPr>
-          <p:cNvPicPr>
-            <a:picLocks noGrp="1" noChangeAspect="1"/>
-          </p:cNvPicPr>
-          <p:nvPr>
-            <p:ph type="pic" sz="quarter" idx="23"/>
-          </p:nvPr>
-        </p:nvPicPr>
-        <p:blipFill rotWithShape="1">
-          <a:blip r:embed="rId2"/>
-          <a:srcRect/>
-          <a:stretch/>
-        </p:blipFill>
-        <p:spPr>
-          <a:xfrm>
-            <a:off x="1911096" y="2407653"/>
-            <a:ext cx="932688" cy="932688"/>
-          </a:xfrm>
-        </p:spPr>
-      </p:pic>
-      <p:sp>
-        <p:nvSpPr>
-          <p:cNvPr id="2" name="Text Placeholder 1">
-            <a:extLst>
-              <a:ext uri="{FF2B5EF4-FFF2-40B4-BE49-F238E27FC236}">
-                <a16:creationId xmlns:a16="http://schemas.microsoft.com/office/drawing/2014/main" id="{5FC63C25-FE2A-0C11-2CEA-A80AA78FC365}"/>
-              </a:ext>
-            </a:extLst>
-          </p:cNvPr>
-          <p:cNvSpPr>
-            <a:spLocks noGrp="1"/>
-          </p:cNvSpPr>
-          <p:nvPr>
-            <p:ph type="body" idx="1"/>
-          </p:nvPr>
-        </p:nvSpPr>
-        <p:spPr>
-          <a:xfrm>
-            <a:off x="713232" y="2885439"/>
-            <a:ext cx="3328416" cy="3563861"/>
-          </a:xfrm>
-        </p:spPr>
-        <p:txBody>
-          <a:bodyPr/>
-          <a:lstStyle/>
-          <a:p>
-            <a:r>
-              <a:rPr lang="en-US" dirty="0"/>
-              <a:t>ROI</a:t>
-            </a:r>
-          </a:p>
-        </p:txBody>
-      </p:sp>
-      <p:sp>
-        <p:nvSpPr>
-          <p:cNvPr id="6" name="Text Placeholder 5">
-            <a:extLst>
-              <a:ext uri="{FF2B5EF4-FFF2-40B4-BE49-F238E27FC236}">
-                <a16:creationId xmlns:a16="http://schemas.microsoft.com/office/drawing/2014/main" id="{5AD6749A-51D8-599C-7C31-9922CF228D32}"/>
-              </a:ext>
-            </a:extLst>
-          </p:cNvPr>
-          <p:cNvSpPr>
-            <a:spLocks noGrp="1"/>
-          </p:cNvSpPr>
-          <p:nvPr>
-            <p:ph type="body" sz="quarter" idx="18"/>
-          </p:nvPr>
-        </p:nvSpPr>
-        <p:spPr>
-          <a:xfrm>
-            <a:off x="992124" y="4099293"/>
-            <a:ext cx="2770632" cy="2206752"/>
-          </a:xfrm>
-        </p:spPr>
-        <p:txBody>
-          <a:bodyPr/>
-          <a:lstStyle/>
-          <a:p>
-            <a:r>
-              <a:rPr lang="en-US" dirty="0"/>
-              <a:t>Envision multimedia-based expertise and cross-media growth strategies</a:t>
-            </a:r>
-          </a:p>
-          <a:p>
-            <a:r>
-              <a:rPr lang="en-US" dirty="0"/>
-              <a:t>Visualize quality intellectual capital</a:t>
-            </a:r>
-          </a:p>
-          <a:p>
-            <a:r>
-              <a:rPr lang="en-US" dirty="0"/>
-              <a:t>Engage worldwide methodologies with web-enabled technologies</a:t>
-            </a:r>
-          </a:p>
-        </p:txBody>
-      </p:sp>
-      <p:pic>
-        <p:nvPicPr>
-          <p:cNvPr id="76" name="Picture Placeholder 75" descr="increasing chart icon">
-            <a:extLst>
-              <a:ext uri="{FF2B5EF4-FFF2-40B4-BE49-F238E27FC236}">
-                <a16:creationId xmlns:a16="http://schemas.microsoft.com/office/drawing/2014/main" id="{7541E72A-A0CB-A011-55A9-1126F707D889}"/>
-              </a:ext>
-            </a:extLst>
-          </p:cNvPr>
-          <p:cNvPicPr>
-            <a:picLocks noGrp="1" noChangeAspect="1"/>
-          </p:cNvPicPr>
-          <p:nvPr>
-            <p:ph type="pic" sz="quarter" idx="25"/>
-          </p:nvPr>
-        </p:nvPicPr>
-        <p:blipFill rotWithShape="1">
-          <a:blip r:embed="rId3"/>
-          <a:srcRect/>
-          <a:stretch/>
-        </p:blipFill>
-        <p:spPr>
-          <a:xfrm>
-            <a:off x="5641848" y="2407653"/>
-            <a:ext cx="932688" cy="932688"/>
-          </a:xfrm>
-        </p:spPr>
-      </p:pic>
-      <p:sp>
-        <p:nvSpPr>
-          <p:cNvPr id="3" name="Text Placeholder 2">
-            <a:extLst>
-              <a:ext uri="{FF2B5EF4-FFF2-40B4-BE49-F238E27FC236}">
-                <a16:creationId xmlns:a16="http://schemas.microsoft.com/office/drawing/2014/main" id="{A8753AB0-02A6-E89E-7E23-593DBF52F4E8}"/>
-              </a:ext>
-            </a:extLst>
-          </p:cNvPr>
-          <p:cNvSpPr>
-            <a:spLocks noGrp="1"/>
-          </p:cNvSpPr>
-          <p:nvPr>
-            <p:ph type="body" sz="quarter" idx="15"/>
-          </p:nvPr>
-        </p:nvSpPr>
-        <p:spPr>
-          <a:xfrm>
-            <a:off x="4443984" y="2890519"/>
-            <a:ext cx="3328416" cy="3558781"/>
-          </a:xfrm>
-        </p:spPr>
-        <p:txBody>
-          <a:bodyPr/>
-          <a:lstStyle/>
-          <a:p>
-            <a:r>
-              <a:rPr lang="en-US" dirty="0"/>
-              <a:t>NICHE MARKETS</a:t>
-            </a:r>
-          </a:p>
-        </p:txBody>
-      </p:sp>
-      <p:sp>
-        <p:nvSpPr>
-          <p:cNvPr id="7" name="Text Placeholder 6">
-            <a:extLst>
-              <a:ext uri="{FF2B5EF4-FFF2-40B4-BE49-F238E27FC236}">
-                <a16:creationId xmlns:a16="http://schemas.microsoft.com/office/drawing/2014/main" id="{0BF56CE2-ADEB-1E22-50FB-9F2AB3786483}"/>
-              </a:ext>
-            </a:extLst>
-          </p:cNvPr>
-          <p:cNvSpPr>
-            <a:spLocks noGrp="1"/>
-          </p:cNvSpPr>
-          <p:nvPr>
-            <p:ph type="body" sz="quarter" idx="21"/>
-          </p:nvPr>
-        </p:nvSpPr>
-        <p:spPr>
-          <a:xfrm>
-            <a:off x="4722876" y="4099293"/>
-            <a:ext cx="2770632" cy="2206752"/>
-          </a:xfrm>
-        </p:spPr>
-        <p:txBody>
-          <a:bodyPr/>
-          <a:lstStyle/>
-          <a:p>
-            <a:r>
-              <a:rPr lang="en-US" dirty="0"/>
-              <a:t>Pursue scalable customer service through sustainable strategies</a:t>
-            </a:r>
-          </a:p>
-          <a:p>
-            <a:r>
-              <a:rPr lang="en-US" dirty="0"/>
-              <a:t>Engage top-line web services with cutting-edge deliverables</a:t>
-            </a:r>
-          </a:p>
-          <a:p>
-            <a:endParaRPr lang="en-US" dirty="0"/>
-          </a:p>
-        </p:txBody>
-      </p:sp>
-      <p:pic>
-        <p:nvPicPr>
-          <p:cNvPr id="80" name="Picture Placeholder 79" descr="chain link icon">
-            <a:extLst>
-              <a:ext uri="{FF2B5EF4-FFF2-40B4-BE49-F238E27FC236}">
-                <a16:creationId xmlns:a16="http://schemas.microsoft.com/office/drawing/2014/main" id="{FCC17566-BE36-5CE0-25C6-8AC132D1479D}"/>
-              </a:ext>
-            </a:extLst>
-          </p:cNvPr>
-          <p:cNvPicPr>
-            <a:picLocks noGrp="1" noChangeAspect="1"/>
-          </p:cNvPicPr>
-          <p:nvPr>
-            <p:ph type="pic" sz="quarter" idx="24"/>
-          </p:nvPr>
-        </p:nvPicPr>
-        <p:blipFill rotWithShape="1">
-          <a:blip r:embed="rId4"/>
-          <a:srcRect t="85" b="85"/>
-          <a:stretch/>
-        </p:blipFill>
-        <p:spPr>
-          <a:xfrm>
-            <a:off x="9290304" y="2407653"/>
-            <a:ext cx="932688" cy="932688"/>
-          </a:xfrm>
-        </p:spPr>
-      </p:pic>
-      <p:sp>
-        <p:nvSpPr>
-          <p:cNvPr id="4" name="Text Placeholder 3">
-            <a:extLst>
-              <a:ext uri="{FF2B5EF4-FFF2-40B4-BE49-F238E27FC236}">
-                <a16:creationId xmlns:a16="http://schemas.microsoft.com/office/drawing/2014/main" id="{03745CA7-A767-9133-8871-800B16D5D722}"/>
-              </a:ext>
-            </a:extLst>
-          </p:cNvPr>
-          <p:cNvSpPr>
-            <a:spLocks noGrp="1"/>
-          </p:cNvSpPr>
-          <p:nvPr>
-            <p:ph type="body" sz="quarter" idx="17"/>
-          </p:nvPr>
-        </p:nvSpPr>
-        <p:spPr>
-          <a:xfrm>
-            <a:off x="8092440" y="2891789"/>
-            <a:ext cx="3328416" cy="3557511"/>
-          </a:xfrm>
-        </p:spPr>
-        <p:txBody>
-          <a:bodyPr/>
-          <a:lstStyle/>
-          <a:p>
-            <a:r>
-              <a:rPr lang="en-US" altLang="zh-CN" dirty="0"/>
-              <a:t>SUPPLY</a:t>
-            </a:r>
-            <a:r>
-              <a:rPr lang="zh-CN" altLang="en-US" dirty="0"/>
-              <a:t> </a:t>
-            </a:r>
-            <a:r>
-              <a:rPr lang="en-US" altLang="zh-CN" dirty="0"/>
-              <a:t>CHAINS</a:t>
-            </a:r>
-            <a:endParaRPr lang="en-US" dirty="0"/>
-          </a:p>
-        </p:txBody>
-      </p:sp>
-      <p:sp>
-        <p:nvSpPr>
-          <p:cNvPr id="8" name="Text Placeholder 7">
-            <a:extLst>
-              <a:ext uri="{FF2B5EF4-FFF2-40B4-BE49-F238E27FC236}">
-                <a16:creationId xmlns:a16="http://schemas.microsoft.com/office/drawing/2014/main" id="{7063C991-877C-CD1D-A03D-547E04121FE0}"/>
-              </a:ext>
-            </a:extLst>
-          </p:cNvPr>
-          <p:cNvSpPr>
-            <a:spLocks noGrp="1"/>
-          </p:cNvSpPr>
-          <p:nvPr>
-            <p:ph type="body" sz="quarter" idx="22"/>
-          </p:nvPr>
-        </p:nvSpPr>
-        <p:spPr>
-          <a:xfrm>
-            <a:off x="8371332" y="4099293"/>
-            <a:ext cx="2770632" cy="2206752"/>
-          </a:xfrm>
-        </p:spPr>
-        <p:txBody>
-          <a:bodyPr/>
-          <a:lstStyle/>
-          <a:p>
-            <a:r>
-              <a:rPr lang="en-US" dirty="0"/>
-              <a:t>Cultivate one-to-one customer service with robust ideas</a:t>
-            </a:r>
-          </a:p>
-          <a:p>
-            <a:r>
-              <a:rPr lang="en-US" dirty="0"/>
-              <a:t>Maximize timely deliverables for real-time schemas</a:t>
-            </a:r>
-          </a:p>
-          <a:p>
-            <a:endParaRPr lang="en-US" dirty="0"/>
-          </a:p>
-          <a:p>
-            <a:endParaRPr lang="en-US" dirty="0"/>
-          </a:p>
-        </p:txBody>
-      </p:sp>
-      <p:pic>
-        <p:nvPicPr>
-          <p:cNvPr id="10" name="Picture 9">
-            <a:extLst>
-              <a:ext uri="{FF2B5EF4-FFF2-40B4-BE49-F238E27FC236}">
-                <a16:creationId xmlns:a16="http://schemas.microsoft.com/office/drawing/2014/main" id="{7470FCC9-0F70-F23C-C45E-56D9777B73AF}"/>
+                <a16:creationId xmlns:a16="http://schemas.microsoft.com/office/drawing/2014/main" id="{9E7DF1FD-E5EE-4429-DBBD-AFC9505C7450}"/>
               </a:ext>
             </a:extLst>
           </p:cNvPr>
@@ -28762,15 +27677,15 @@
           <p:nvPr/>
         </p:nvPicPr>
         <p:blipFill>
-          <a:blip r:embed="rId5"/>
+          <a:blip r:embed="rId2"/>
           <a:stretch>
             <a:fillRect/>
           </a:stretch>
         </p:blipFill>
         <p:spPr>
           <a:xfrm>
-            <a:off x="333756" y="1009349"/>
-            <a:ext cx="11430000" cy="5611558"/>
+            <a:off x="959921" y="868839"/>
+            <a:ext cx="10177670" cy="5724939"/>
           </a:xfrm>
           <a:prstGeom prst="rect">
             <a:avLst/>
@@ -28780,7 +27695,7 @@
     </p:spTree>
     <p:extLst>
       <p:ext uri="{BB962C8B-B14F-4D97-AF65-F5344CB8AC3E}">
-        <p14:creationId xmlns:p14="http://schemas.microsoft.com/office/powerpoint/2010/main" val="249904479"/>
+        <p14:creationId xmlns:p14="http://schemas.microsoft.com/office/powerpoint/2010/main" val="1304642090"/>
       </p:ext>
     </p:extLst>
   </p:cSld>
@@ -28809,10 +27724,10 @@
       </p:grpSpPr>
       <p:sp>
         <p:nvSpPr>
-          <p:cNvPr id="5" name="Title 4">
+          <p:cNvPr id="2" name="Title 1">
             <a:extLst>
               <a:ext uri="{FF2B5EF4-FFF2-40B4-BE49-F238E27FC236}">
-                <a16:creationId xmlns:a16="http://schemas.microsoft.com/office/drawing/2014/main" id="{C371CEB5-0F43-BA22-C4E7-3A84E631DA11}"/>
+                <a16:creationId xmlns:a16="http://schemas.microsoft.com/office/drawing/2014/main" id="{800AB426-5B7C-607E-D413-5D2C9495CC0A}"/>
               </a:ext>
             </a:extLst>
           </p:cNvPr>
@@ -28820,13 +27735,13 @@
             <a:spLocks noGrp="1"/>
           </p:cNvSpPr>
           <p:nvPr>
-            <p:ph type="title"/>
+            <p:ph type="ctrTitle"/>
           </p:nvPr>
         </p:nvSpPr>
         <p:spPr>
           <a:xfrm>
-            <a:off x="713232" y="52232"/>
-            <a:ext cx="10671048" cy="816607"/>
+            <a:off x="1527048" y="1199257"/>
+            <a:ext cx="4550664" cy="2453773"/>
           </a:xfrm>
         </p:spPr>
         <p:txBody>
@@ -28834,567 +27749,16 @@
           <a:lstStyle/>
           <a:p>
             <a:r>
-              <a:rPr lang="en-US" sz="3600" dirty="0"/>
-              <a:t>TAMPILAN APLIKASI</a:t>
-            </a:r>
-          </a:p>
-        </p:txBody>
-      </p:sp>
-      <p:pic>
-        <p:nvPicPr>
-          <p:cNvPr id="11" name="Picture 10">
-            <a:extLst>
-              <a:ext uri="{FF2B5EF4-FFF2-40B4-BE49-F238E27FC236}">
-                <a16:creationId xmlns:a16="http://schemas.microsoft.com/office/drawing/2014/main" id="{EB5A0197-3001-4AED-95E4-01D5137D8D76}"/>
-              </a:ext>
-            </a:extLst>
-          </p:cNvPr>
-          <p:cNvPicPr>
-            <a:picLocks noChangeAspect="1"/>
-          </p:cNvPicPr>
-          <p:nvPr/>
-        </p:nvPicPr>
-        <p:blipFill>
-          <a:blip r:embed="rId2"/>
-          <a:stretch>
-            <a:fillRect/>
-          </a:stretch>
-        </p:blipFill>
-        <p:spPr>
-          <a:xfrm>
-            <a:off x="379820" y="1514994"/>
-            <a:ext cx="11337870" cy="5224186"/>
-          </a:xfrm>
-          <a:prstGeom prst="rect">
-            <a:avLst/>
-          </a:prstGeom>
-        </p:spPr>
-      </p:pic>
-      <p:sp>
-        <p:nvSpPr>
-          <p:cNvPr id="73" name="Title 1">
-            <a:extLst>
-              <a:ext uri="{FF2B5EF4-FFF2-40B4-BE49-F238E27FC236}">
-                <a16:creationId xmlns:a16="http://schemas.microsoft.com/office/drawing/2014/main" id="{6F9C2F2A-98EA-A1ED-9812-A75413542F48}"/>
-              </a:ext>
-            </a:extLst>
-          </p:cNvPr>
-          <p:cNvSpPr txBox="1">
-            <a:spLocks/>
-          </p:cNvSpPr>
-          <p:nvPr/>
-        </p:nvSpPr>
-        <p:spPr>
-          <a:xfrm>
-            <a:off x="2329134" y="1008076"/>
-            <a:ext cx="7439243" cy="367680"/>
-          </a:xfrm>
-          <a:prstGeom prst="rect">
-            <a:avLst/>
-          </a:prstGeom>
-        </p:spPr>
-        <p:txBody>
-          <a:bodyPr vert="horz" lIns="91440" tIns="45720" rIns="91440" bIns="45720" rtlCol="0" anchor="b" anchorCtr="0">
-            <a:noAutofit/>
-          </a:bodyPr>
-          <a:lstStyle>
-            <a:lvl1pPr algn="ctr" defTabSz="914400" rtl="0" eaLnBrk="1" latinLnBrk="0" hangingPunct="1">
-              <a:lnSpc>
-                <a:spcPct val="100000"/>
-              </a:lnSpc>
-              <a:spcBef>
-                <a:spcPct val="0"/>
-              </a:spcBef>
-              <a:buNone/>
-              <a:defRPr sz="4400" b="1" kern="1200" cap="all" baseline="0">
-                <a:solidFill>
-                  <a:schemeClr val="accent6"/>
-                </a:solidFill>
-                <a:latin typeface="+mj-lt"/>
-                <a:ea typeface="+mj-ea"/>
-                <a:cs typeface="+mj-cs"/>
-              </a:defRPr>
-            </a:lvl1pPr>
-          </a:lstStyle>
-          <a:p>
-            <a:r>
-              <a:rPr lang="en-US" sz="1800" b="0" dirty="0">
-                <a:latin typeface="Arial Black" panose="020B0A04020102020204" pitchFamily="34" charset="0"/>
-              </a:rPr>
-              <a:t>Halaman </a:t>
-            </a:r>
-            <a:r>
-              <a:rPr lang="en-US" sz="1800" b="0" dirty="0" err="1">
-                <a:latin typeface="Arial Black" panose="020B0A04020102020204" pitchFamily="34" charset="0"/>
-              </a:rPr>
-              <a:t>utama</a:t>
-            </a:r>
-            <a:endParaRPr lang="en-US" sz="1800" b="0" dirty="0">
-              <a:latin typeface="Arial Black" panose="020B0A04020102020204" pitchFamily="34" charset="0"/>
-            </a:endParaRPr>
+              <a:rPr lang="en-US" dirty="0"/>
+              <a:t>THANK YOU </a:t>
+            </a:r>
           </a:p>
         </p:txBody>
       </p:sp>
     </p:spTree>
     <p:extLst>
       <p:ext uri="{BB962C8B-B14F-4D97-AF65-F5344CB8AC3E}">
-        <p14:creationId xmlns:p14="http://schemas.microsoft.com/office/powerpoint/2010/main" val="492233642"/>
-      </p:ext>
-    </p:extLst>
-  </p:cSld>
-  <p:clrMapOvr>
-    <a:masterClrMapping/>
-  </p:clrMapOvr>
-</p:sld>
-</file>
-
-<file path=ppt/slides/slide7.xml><?xml version="1.0" encoding="utf-8"?>
-<p:sld xmlns:a="http://schemas.openxmlformats.org/drawingml/2006/main" xmlns:r="http://schemas.openxmlformats.org/officeDocument/2006/relationships" xmlns:p="http://schemas.openxmlformats.org/presentationml/2006/main">
-  <p:cSld>
-    <p:spTree>
-      <p:nvGrpSpPr>
-        <p:cNvPr id="1" name=""/>
-        <p:cNvGrpSpPr/>
-        <p:nvPr/>
-      </p:nvGrpSpPr>
-      <p:grpSpPr>
-        <a:xfrm>
-          <a:off x="0" y="0"/>
-          <a:ext cx="0" cy="0"/>
-          <a:chOff x="0" y="0"/>
-          <a:chExt cx="0" cy="0"/>
-        </a:xfrm>
-      </p:grpSpPr>
-      <p:sp>
-        <p:nvSpPr>
-          <p:cNvPr id="5" name="Title 4">
-            <a:extLst>
-              <a:ext uri="{FF2B5EF4-FFF2-40B4-BE49-F238E27FC236}">
-                <a16:creationId xmlns:a16="http://schemas.microsoft.com/office/drawing/2014/main" id="{C371CEB5-0F43-BA22-C4E7-3A84E631DA11}"/>
-              </a:ext>
-            </a:extLst>
-          </p:cNvPr>
-          <p:cNvSpPr>
-            <a:spLocks noGrp="1"/>
-          </p:cNvSpPr>
-          <p:nvPr>
-            <p:ph type="title"/>
-          </p:nvPr>
-        </p:nvSpPr>
-        <p:spPr>
-          <a:xfrm>
-            <a:off x="713232" y="52232"/>
-            <a:ext cx="10671048" cy="816607"/>
-          </a:xfrm>
-        </p:spPr>
-        <p:txBody>
-          <a:bodyPr/>
-          <a:lstStyle/>
-          <a:p>
-            <a:r>
-              <a:rPr lang="en-US" sz="3600" dirty="0"/>
-              <a:t>TAMPILAN APLIKASI</a:t>
-            </a:r>
-          </a:p>
-        </p:txBody>
-      </p:sp>
-      <p:sp>
-        <p:nvSpPr>
-          <p:cNvPr id="73" name="Title 1">
-            <a:extLst>
-              <a:ext uri="{FF2B5EF4-FFF2-40B4-BE49-F238E27FC236}">
-                <a16:creationId xmlns:a16="http://schemas.microsoft.com/office/drawing/2014/main" id="{6F9C2F2A-98EA-A1ED-9812-A75413542F48}"/>
-              </a:ext>
-            </a:extLst>
-          </p:cNvPr>
-          <p:cNvSpPr txBox="1">
-            <a:spLocks/>
-          </p:cNvSpPr>
-          <p:nvPr/>
-        </p:nvSpPr>
-        <p:spPr>
-          <a:xfrm>
-            <a:off x="2329134" y="1008076"/>
-            <a:ext cx="7439243" cy="367680"/>
-          </a:xfrm>
-          <a:prstGeom prst="rect">
-            <a:avLst/>
-          </a:prstGeom>
-        </p:spPr>
-        <p:txBody>
-          <a:bodyPr vert="horz" lIns="91440" tIns="45720" rIns="91440" bIns="45720" rtlCol="0" anchor="b" anchorCtr="0">
-            <a:noAutofit/>
-          </a:bodyPr>
-          <a:lstStyle>
-            <a:lvl1pPr algn="ctr" defTabSz="914400" rtl="0" eaLnBrk="1" latinLnBrk="0" hangingPunct="1">
-              <a:lnSpc>
-                <a:spcPct val="100000"/>
-              </a:lnSpc>
-              <a:spcBef>
-                <a:spcPct val="0"/>
-              </a:spcBef>
-              <a:buNone/>
-              <a:defRPr sz="4400" b="1" kern="1200" cap="all" baseline="0">
-                <a:solidFill>
-                  <a:schemeClr val="accent6"/>
-                </a:solidFill>
-                <a:latin typeface="+mj-lt"/>
-                <a:ea typeface="+mj-ea"/>
-                <a:cs typeface="+mj-cs"/>
-              </a:defRPr>
-            </a:lvl1pPr>
-          </a:lstStyle>
-          <a:p>
-            <a:r>
-              <a:rPr lang="en-US" sz="1800" b="0" dirty="0">
-                <a:latin typeface="Arial Black" panose="020B0A04020102020204" pitchFamily="34" charset="0"/>
-              </a:rPr>
-              <a:t>Halaman detail artist dan list </a:t>
-            </a:r>
-            <a:r>
-              <a:rPr lang="en-US" sz="1800" b="0" dirty="0" err="1">
-                <a:latin typeface="Arial Black" panose="020B0A04020102020204" pitchFamily="34" charset="0"/>
-              </a:rPr>
-              <a:t>lagu</a:t>
-            </a:r>
-            <a:endParaRPr lang="en-US" sz="1800" b="0" dirty="0">
-              <a:latin typeface="Arial Black" panose="020B0A04020102020204" pitchFamily="34" charset="0"/>
-            </a:endParaRPr>
-          </a:p>
-        </p:txBody>
-      </p:sp>
-      <p:pic>
-        <p:nvPicPr>
-          <p:cNvPr id="4" name="Picture 3">
-            <a:extLst>
-              <a:ext uri="{FF2B5EF4-FFF2-40B4-BE49-F238E27FC236}">
-                <a16:creationId xmlns:a16="http://schemas.microsoft.com/office/drawing/2014/main" id="{C4A60F03-52C8-0A1C-9527-0E7952248424}"/>
-              </a:ext>
-            </a:extLst>
-          </p:cNvPr>
-          <p:cNvPicPr>
-            <a:picLocks noChangeAspect="1"/>
-          </p:cNvPicPr>
-          <p:nvPr/>
-        </p:nvPicPr>
-        <p:blipFill>
-          <a:blip r:embed="rId2"/>
-          <a:stretch>
-            <a:fillRect/>
-          </a:stretch>
-        </p:blipFill>
-        <p:spPr>
-          <a:xfrm>
-            <a:off x="958969" y="1374361"/>
-            <a:ext cx="10274061" cy="5431407"/>
-          </a:xfrm>
-          <a:prstGeom prst="rect">
-            <a:avLst/>
-          </a:prstGeom>
-        </p:spPr>
-      </p:pic>
-    </p:spTree>
-    <p:extLst>
-      <p:ext uri="{BB962C8B-B14F-4D97-AF65-F5344CB8AC3E}">
-        <p14:creationId xmlns:p14="http://schemas.microsoft.com/office/powerpoint/2010/main" val="483725182"/>
-      </p:ext>
-    </p:extLst>
-  </p:cSld>
-  <p:clrMapOvr>
-    <a:masterClrMapping/>
-  </p:clrMapOvr>
-</p:sld>
-</file>
-
-<file path=ppt/slides/slide8.xml><?xml version="1.0" encoding="utf-8"?>
-<p:sld xmlns:a="http://schemas.openxmlformats.org/drawingml/2006/main" xmlns:r="http://schemas.openxmlformats.org/officeDocument/2006/relationships" xmlns:p="http://schemas.openxmlformats.org/presentationml/2006/main">
-  <p:cSld>
-    <p:spTree>
-      <p:nvGrpSpPr>
-        <p:cNvPr id="1" name=""/>
-        <p:cNvGrpSpPr/>
-        <p:nvPr/>
-      </p:nvGrpSpPr>
-      <p:grpSpPr>
-        <a:xfrm>
-          <a:off x="0" y="0"/>
-          <a:ext cx="0" cy="0"/>
-          <a:chOff x="0" y="0"/>
-          <a:chExt cx="0" cy="0"/>
-        </a:xfrm>
-      </p:grpSpPr>
-      <p:sp>
-        <p:nvSpPr>
-          <p:cNvPr id="5" name="Title 4">
-            <a:extLst>
-              <a:ext uri="{FF2B5EF4-FFF2-40B4-BE49-F238E27FC236}">
-                <a16:creationId xmlns:a16="http://schemas.microsoft.com/office/drawing/2014/main" id="{C371CEB5-0F43-BA22-C4E7-3A84E631DA11}"/>
-              </a:ext>
-            </a:extLst>
-          </p:cNvPr>
-          <p:cNvSpPr>
-            <a:spLocks noGrp="1"/>
-          </p:cNvSpPr>
-          <p:nvPr>
-            <p:ph type="title"/>
-          </p:nvPr>
-        </p:nvSpPr>
-        <p:spPr>
-          <a:xfrm>
-            <a:off x="713232" y="52232"/>
-            <a:ext cx="10671048" cy="816607"/>
-          </a:xfrm>
-        </p:spPr>
-        <p:txBody>
-          <a:bodyPr/>
-          <a:lstStyle/>
-          <a:p>
-            <a:r>
-              <a:rPr lang="en-US" sz="3600" dirty="0"/>
-              <a:t>TAMPILAN APLIKASI</a:t>
-            </a:r>
-          </a:p>
-        </p:txBody>
-      </p:sp>
-      <p:sp>
-        <p:nvSpPr>
-          <p:cNvPr id="73" name="Title 1">
-            <a:extLst>
-              <a:ext uri="{FF2B5EF4-FFF2-40B4-BE49-F238E27FC236}">
-                <a16:creationId xmlns:a16="http://schemas.microsoft.com/office/drawing/2014/main" id="{6F9C2F2A-98EA-A1ED-9812-A75413542F48}"/>
-              </a:ext>
-            </a:extLst>
-          </p:cNvPr>
-          <p:cNvSpPr txBox="1">
-            <a:spLocks/>
-          </p:cNvSpPr>
-          <p:nvPr/>
-        </p:nvSpPr>
-        <p:spPr>
-          <a:xfrm>
-            <a:off x="2329134" y="1008076"/>
-            <a:ext cx="7439243" cy="367680"/>
-          </a:xfrm>
-          <a:prstGeom prst="rect">
-            <a:avLst/>
-          </a:prstGeom>
-        </p:spPr>
-        <p:txBody>
-          <a:bodyPr vert="horz" lIns="91440" tIns="45720" rIns="91440" bIns="45720" rtlCol="0" anchor="b" anchorCtr="0">
-            <a:noAutofit/>
-          </a:bodyPr>
-          <a:lstStyle>
-            <a:lvl1pPr algn="ctr" defTabSz="914400" rtl="0" eaLnBrk="1" latinLnBrk="0" hangingPunct="1">
-              <a:lnSpc>
-                <a:spcPct val="100000"/>
-              </a:lnSpc>
-              <a:spcBef>
-                <a:spcPct val="0"/>
-              </a:spcBef>
-              <a:buNone/>
-              <a:defRPr sz="4400" b="1" kern="1200" cap="all" baseline="0">
-                <a:solidFill>
-                  <a:schemeClr val="accent6"/>
-                </a:solidFill>
-                <a:latin typeface="+mj-lt"/>
-                <a:ea typeface="+mj-ea"/>
-                <a:cs typeface="+mj-cs"/>
-              </a:defRPr>
-            </a:lvl1pPr>
-          </a:lstStyle>
-          <a:p>
-            <a:r>
-              <a:rPr lang="en-US" sz="1800" b="0" dirty="0">
-                <a:latin typeface="Arial Black" panose="020B0A04020102020204" pitchFamily="34" charset="0"/>
-              </a:rPr>
-              <a:t>Halaman detail artist</a:t>
-            </a:r>
-          </a:p>
-        </p:txBody>
-      </p:sp>
-      <p:pic>
-        <p:nvPicPr>
-          <p:cNvPr id="3" name="Picture 2">
-            <a:extLst>
-              <a:ext uri="{FF2B5EF4-FFF2-40B4-BE49-F238E27FC236}">
-                <a16:creationId xmlns:a16="http://schemas.microsoft.com/office/drawing/2014/main" id="{76229821-BAC0-228A-C88A-5879D134120A}"/>
-              </a:ext>
-            </a:extLst>
-          </p:cNvPr>
-          <p:cNvPicPr>
-            <a:picLocks noChangeAspect="1"/>
-          </p:cNvPicPr>
-          <p:nvPr/>
-        </p:nvPicPr>
-        <p:blipFill>
-          <a:blip r:embed="rId2"/>
-          <a:stretch>
-            <a:fillRect/>
-          </a:stretch>
-        </p:blipFill>
-        <p:spPr>
-          <a:xfrm>
-            <a:off x="1242204" y="1345247"/>
-            <a:ext cx="9707592" cy="5460521"/>
-          </a:xfrm>
-          <a:prstGeom prst="rect">
-            <a:avLst/>
-          </a:prstGeom>
-        </p:spPr>
-      </p:pic>
-    </p:spTree>
-    <p:extLst>
-      <p:ext uri="{BB962C8B-B14F-4D97-AF65-F5344CB8AC3E}">
-        <p14:creationId xmlns:p14="http://schemas.microsoft.com/office/powerpoint/2010/main" val="3831006631"/>
-      </p:ext>
-    </p:extLst>
-  </p:cSld>
-  <p:clrMapOvr>
-    <a:masterClrMapping/>
-  </p:clrMapOvr>
-</p:sld>
-</file>
-
-<file path=ppt/slides/slide9.xml><?xml version="1.0" encoding="utf-8"?>
-<p:sld xmlns:a="http://schemas.openxmlformats.org/drawingml/2006/main" xmlns:r="http://schemas.openxmlformats.org/officeDocument/2006/relationships" xmlns:p="http://schemas.openxmlformats.org/presentationml/2006/main">
-  <p:cSld>
-    <p:spTree>
-      <p:nvGrpSpPr>
-        <p:cNvPr id="1" name=""/>
-        <p:cNvGrpSpPr/>
-        <p:nvPr/>
-      </p:nvGrpSpPr>
-      <p:grpSpPr>
-        <a:xfrm>
-          <a:off x="0" y="0"/>
-          <a:ext cx="0" cy="0"/>
-          <a:chOff x="0" y="0"/>
-          <a:chExt cx="0" cy="0"/>
-        </a:xfrm>
-      </p:grpSpPr>
-      <p:sp>
-        <p:nvSpPr>
-          <p:cNvPr id="5" name="Title 4">
-            <a:extLst>
-              <a:ext uri="{FF2B5EF4-FFF2-40B4-BE49-F238E27FC236}">
-                <a16:creationId xmlns:a16="http://schemas.microsoft.com/office/drawing/2014/main" id="{C371CEB5-0F43-BA22-C4E7-3A84E631DA11}"/>
-              </a:ext>
-            </a:extLst>
-          </p:cNvPr>
-          <p:cNvSpPr>
-            <a:spLocks noGrp="1"/>
-          </p:cNvSpPr>
-          <p:nvPr>
-            <p:ph type="title"/>
-          </p:nvPr>
-        </p:nvSpPr>
-        <p:spPr>
-          <a:xfrm>
-            <a:off x="713232" y="52232"/>
-            <a:ext cx="10671048" cy="816607"/>
-          </a:xfrm>
-        </p:spPr>
-        <p:txBody>
-          <a:bodyPr/>
-          <a:lstStyle/>
-          <a:p>
-            <a:r>
-              <a:rPr lang="en-US" sz="3600" dirty="0"/>
-              <a:t>TAMPILAN APLIKASI</a:t>
-            </a:r>
-          </a:p>
-        </p:txBody>
-      </p:sp>
-      <p:sp>
-        <p:nvSpPr>
-          <p:cNvPr id="73" name="Title 1">
-            <a:extLst>
-              <a:ext uri="{FF2B5EF4-FFF2-40B4-BE49-F238E27FC236}">
-                <a16:creationId xmlns:a16="http://schemas.microsoft.com/office/drawing/2014/main" id="{6F9C2F2A-98EA-A1ED-9812-A75413542F48}"/>
-              </a:ext>
-            </a:extLst>
-          </p:cNvPr>
-          <p:cNvSpPr txBox="1">
-            <a:spLocks/>
-          </p:cNvSpPr>
-          <p:nvPr/>
-        </p:nvSpPr>
-        <p:spPr>
-          <a:xfrm>
-            <a:off x="2329134" y="1008076"/>
-            <a:ext cx="7439243" cy="367680"/>
-          </a:xfrm>
-          <a:prstGeom prst="rect">
-            <a:avLst/>
-          </a:prstGeom>
-        </p:spPr>
-        <p:txBody>
-          <a:bodyPr vert="horz" lIns="91440" tIns="45720" rIns="91440" bIns="45720" rtlCol="0" anchor="b" anchorCtr="0">
-            <a:noAutofit/>
-          </a:bodyPr>
-          <a:lstStyle>
-            <a:lvl1pPr algn="ctr" defTabSz="914400" rtl="0" eaLnBrk="1" latinLnBrk="0" hangingPunct="1">
-              <a:lnSpc>
-                <a:spcPct val="100000"/>
-              </a:lnSpc>
-              <a:spcBef>
-                <a:spcPct val="0"/>
-              </a:spcBef>
-              <a:buNone/>
-              <a:defRPr sz="4400" b="1" kern="1200" cap="all" baseline="0">
-                <a:solidFill>
-                  <a:schemeClr val="accent6"/>
-                </a:solidFill>
-                <a:latin typeface="+mj-lt"/>
-                <a:ea typeface="+mj-ea"/>
-                <a:cs typeface="+mj-cs"/>
-              </a:defRPr>
-            </a:lvl1pPr>
-          </a:lstStyle>
-          <a:p>
-            <a:r>
-              <a:rPr lang="en-US" sz="1800" b="0" dirty="0">
-                <a:latin typeface="Arial Black" panose="020B0A04020102020204" pitchFamily="34" charset="0"/>
-              </a:rPr>
-              <a:t>Halaman insert artist</a:t>
-            </a:r>
-          </a:p>
-        </p:txBody>
-      </p:sp>
-      <p:pic>
-        <p:nvPicPr>
-          <p:cNvPr id="3" name="Picture 2">
-            <a:extLst>
-              <a:ext uri="{FF2B5EF4-FFF2-40B4-BE49-F238E27FC236}">
-                <a16:creationId xmlns:a16="http://schemas.microsoft.com/office/drawing/2014/main" id="{545D9479-15DB-8ABD-446A-E6C7DA7A4B97}"/>
-              </a:ext>
-            </a:extLst>
-          </p:cNvPr>
-          <p:cNvPicPr>
-            <a:picLocks noChangeAspect="1"/>
-          </p:cNvPicPr>
-          <p:nvPr/>
-        </p:nvPicPr>
-        <p:blipFill>
-          <a:blip r:embed="rId2"/>
-          <a:stretch>
-            <a:fillRect/>
-          </a:stretch>
-        </p:blipFill>
-        <p:spPr>
-          <a:xfrm>
-            <a:off x="675851" y="1413180"/>
-            <a:ext cx="10671048" cy="5280918"/>
-          </a:xfrm>
-          <a:prstGeom prst="rect">
-            <a:avLst/>
-          </a:prstGeom>
-        </p:spPr>
-      </p:pic>
-    </p:spTree>
-    <p:extLst>
-      <p:ext uri="{BB962C8B-B14F-4D97-AF65-F5344CB8AC3E}">
-        <p14:creationId xmlns:p14="http://schemas.microsoft.com/office/powerpoint/2010/main" val="447015525"/>
+        <p14:creationId xmlns:p14="http://schemas.microsoft.com/office/powerpoint/2010/main" val="1003962426"/>
       </p:ext>
     </p:extLst>
   </p:cSld>
@@ -30196,15 +28560,6 @@
 </file>
 
 <file path=customXml/item1.xml><?xml version="1.0" encoding="utf-8"?>
-<?mso-contentType ?>
-<FormTemplates xmlns="http://schemas.microsoft.com/sharepoint/v3/contenttype/forms">
-  <Display>DocumentLibraryForm</Display>
-  <Edit>DocumentLibraryForm</Edit>
-  <New>DocumentLibraryForm</New>
-</FormTemplates>
-</file>
-
-<file path=customXml/item2.xml><?xml version="1.0" encoding="utf-8"?>
 <ct:contentTypeSchema xmlns:ct="http://schemas.microsoft.com/office/2006/metadata/contentType" xmlns:ma="http://schemas.microsoft.com/office/2006/metadata/properties/metaAttributes" ct:_="" ma:_="" ma:contentTypeName="Document" ma:contentTypeID="0x01010079F111ED35F8CC479449609E8A0923A6" ma:contentTypeVersion="28" ma:contentTypeDescription="Create a new document." ma:contentTypeScope="" ma:versionID="60f5a4f2d2b0abadcf532d48ebf9cb71">
   <xsd:schema xmlns:xsd="http://www.w3.org/2001/XMLSchema" xmlns:xs="http://www.w3.org/2001/XMLSchema" xmlns:p="http://schemas.microsoft.com/office/2006/metadata/properties" xmlns:ns1="http://schemas.microsoft.com/sharepoint/v3" xmlns:ns2="71af3243-3dd4-4a8d-8c0d-dd76da1f02a5" xmlns:ns3="16c05727-aa75-4e4a-9b5f-8a80a1165891" xmlns:ns4="230e9df3-be65-4c73-a93b-d1236ebd677e" targetNamespace="http://schemas.microsoft.com/office/2006/metadata/properties" ma:root="true" ma:fieldsID="7dd78129e6a1811f84807ad11c651531" ns1:_="" ns2:_="" ns3:_="" ns4:_="">
     <xsd:import namespace="http://schemas.microsoft.com/sharepoint/v3"/>
@@ -30516,6 +28871,15 @@
 </ct:contentTypeSchema>
 </file>
 
+<file path=customXml/item2.xml><?xml version="1.0" encoding="utf-8"?>
+<?mso-contentType ?>
+<FormTemplates xmlns="http://schemas.microsoft.com/sharepoint/v3/contenttype/forms">
+  <Display>DocumentLibraryForm</Display>
+  <Edit>DocumentLibraryForm</Edit>
+  <New>DocumentLibraryForm</New>
+</FormTemplates>
+</file>
+
 <file path=customXml/item3.xml><?xml version="1.0" encoding="utf-8"?>
 <p:properties xmlns:p="http://schemas.microsoft.com/office/2006/metadata/properties" xmlns:xsi="http://www.w3.org/2001/XMLSchema-instance" xmlns:pc="http://schemas.microsoft.com/office/infopath/2007/PartnerControls">
   <documentManagement>
@@ -30537,14 +28901,6 @@
 </file>
 
 <file path=customXml/itemProps1.xml><?xml version="1.0" encoding="utf-8"?>
-<ds:datastoreItem xmlns:ds="http://schemas.openxmlformats.org/officeDocument/2006/customXml" ds:itemID="{5117FA41-AE03-4A0A-A9B0-817CABD09473}">
-  <ds:schemaRefs>
-    <ds:schemaRef ds:uri="http://schemas.microsoft.com/sharepoint/v3/contenttype/forms"/>
-  </ds:schemaRefs>
-</ds:datastoreItem>
-</file>
-
-<file path=customXml/itemProps2.xml><?xml version="1.0" encoding="utf-8"?>
 <ds:datastoreItem xmlns:ds="http://schemas.openxmlformats.org/officeDocument/2006/customXml" ds:itemID="{52D6F65D-59DB-459C-812A-E954DE5F051F}">
   <ds:schemaRefs>
     <ds:schemaRef ds:uri="http://schemas.microsoft.com/office/2006/metadata/contentType"/>
@@ -30565,6 +28921,14 @@
 </ds:datastoreItem>
 </file>
 
+<file path=customXml/itemProps2.xml><?xml version="1.0" encoding="utf-8"?>
+<ds:datastoreItem xmlns:ds="http://schemas.openxmlformats.org/officeDocument/2006/customXml" ds:itemID="{5117FA41-AE03-4A0A-A9B0-817CABD09473}">
+  <ds:schemaRefs>
+    <ds:schemaRef ds:uri="http://schemas.microsoft.com/sharepoint/v3/contenttype/forms"/>
+  </ds:schemaRefs>
+</ds:datastoreItem>
+</file>
+
 <file path=customXml/itemProps3.xml><?xml version="1.0" encoding="utf-8"?>
 <ds:datastoreItem xmlns:ds="http://schemas.openxmlformats.org/officeDocument/2006/customXml" ds:itemID="{A4D542F6-3184-4387-BE39-8DA735EB5504}">
   <ds:schemaRefs>
